--- a/Session 17 - Maze Searching/Session 17 - Maze Searching.pptx
+++ b/Session 17 - Maze Searching/Session 17 - Maze Searching.pptx
@@ -300,7 +300,7 @@
           <a:p>
             <a:fld id="{A241AC98-512A-4A35-865E-757B6C1F07A2}" type="datetimeFigureOut">
               <a:rPr lang="en-US" smtClean="0"/>
-              <a:t>8/1/2023</a:t>
+              <a:t>2/12/2024</a:t>
             </a:fld>
             <a:endParaRPr lang="en-US"/>
           </a:p>
@@ -466,7 +466,7 @@
           <a:p>
             <a:fld id="{3854CEE7-15DE-41D9-8CA2-D1E137B1D850}" type="datetimeFigureOut">
               <a:rPr lang="en-US" smtClean="0"/>
-              <a:t>8/1/2023</a:t>
+              <a:t>2/12/2024</a:t>
             </a:fld>
             <a:endParaRPr lang="en-US"/>
           </a:p>
@@ -2125,7 +2125,7 @@
           <a:p>
             <a:fld id="{5555EB2C-244D-4423-AD97-018ED6478B87}" type="datetime1">
               <a:rPr lang="en-US" smtClean="0"/>
-              <a:t>8/1/2023</a:t>
+              <a:t>2/12/2024</a:t>
             </a:fld>
             <a:endParaRPr lang="en-US"/>
           </a:p>
@@ -2304,7 +2304,7 @@
           <a:p>
             <a:fld id="{A2B41D1F-7576-4C60-B4EB-5115BC56CF40}" type="datetime1">
               <a:rPr lang="en-US" smtClean="0"/>
-              <a:t>8/1/2023</a:t>
+              <a:t>2/12/2024</a:t>
             </a:fld>
             <a:endParaRPr lang="en-US"/>
           </a:p>
@@ -2496,7 +2496,7 @@
           <a:p>
             <a:fld id="{E79D1398-4D56-44F9-BA35-34ACF3159A64}" type="datetime1">
               <a:rPr lang="en-US" smtClean="0"/>
-              <a:t>8/1/2023</a:t>
+              <a:t>2/12/2024</a:t>
             </a:fld>
             <a:endParaRPr lang="en-US"/>
           </a:p>
@@ -2678,7 +2678,7 @@
           <a:p>
             <a:fld id="{A3CF632E-48CB-4EEB-A6B6-DEC7AD7CC976}" type="datetime1">
               <a:rPr lang="en-US" smtClean="0"/>
-              <a:t>8/1/2023</a:t>
+              <a:t>2/12/2024</a:t>
             </a:fld>
             <a:endParaRPr lang="en-US"/>
           </a:p>
@@ -2931,7 +2931,7 @@
           <a:p>
             <a:fld id="{BAEEE52C-3A57-458E-95F6-96B2FA9D1DD4}" type="datetime1">
               <a:rPr lang="en-US" smtClean="0"/>
-              <a:t>8/1/2023</a:t>
+              <a:t>2/12/2024</a:t>
             </a:fld>
             <a:endParaRPr lang="en-US"/>
           </a:p>
@@ -3175,7 +3175,7 @@
           <a:p>
             <a:fld id="{766FC747-A48A-4FF2-8EE4-3E95ECD1C2A8}" type="datetime1">
               <a:rPr lang="en-US" smtClean="0"/>
-              <a:t>8/1/2023</a:t>
+              <a:t>2/12/2024</a:t>
             </a:fld>
             <a:endParaRPr lang="en-US"/>
           </a:p>
@@ -3554,7 +3554,7 @@
           <a:p>
             <a:fld id="{C9BF5758-AB7F-463D-B638-E1729B95E126}" type="datetime1">
               <a:rPr lang="en-US" smtClean="0"/>
-              <a:t>8/1/2023</a:t>
+              <a:t>2/12/2024</a:t>
             </a:fld>
             <a:endParaRPr lang="en-US"/>
           </a:p>
@@ -3684,7 +3684,7 @@
           <a:p>
             <a:fld id="{F3718C77-7DD0-4738-BF52-D0EC9F78A76E}" type="datetime1">
               <a:rPr lang="en-US" smtClean="0"/>
-              <a:t>8/1/2023</a:t>
+              <a:t>2/12/2024</a:t>
             </a:fld>
             <a:endParaRPr lang="en-US"/>
           </a:p>
@@ -3791,7 +3791,7 @@
           <a:p>
             <a:fld id="{948970CF-13D9-4E1D-A74F-2CFE4953FCDB}" type="datetime1">
               <a:rPr lang="en-US" smtClean="0"/>
-              <a:t>8/1/2023</a:t>
+              <a:t>2/12/2024</a:t>
             </a:fld>
             <a:endParaRPr lang="en-US"/>
           </a:p>
@@ -4080,7 +4080,7 @@
           <a:p>
             <a:fld id="{F68C49B9-4E1C-4967-B9CF-0BF9FECBE837}" type="datetime1">
               <a:rPr lang="en-US" smtClean="0"/>
-              <a:t>8/1/2023</a:t>
+              <a:t>2/12/2024</a:t>
             </a:fld>
             <a:endParaRPr lang="en-US"/>
           </a:p>
@@ -4348,7 +4348,7 @@
           <a:p>
             <a:fld id="{7E338CBB-1F06-4333-9BBF-66628B15E581}" type="datetime1">
               <a:rPr lang="en-US" smtClean="0"/>
-              <a:t>8/1/2023</a:t>
+              <a:t>2/12/2024</a:t>
             </a:fld>
             <a:endParaRPr lang="en-US"/>
           </a:p>
@@ -4573,7 +4573,7 @@
           <a:p>
             <a:fld id="{705EC883-F03C-4CA3-AF62-BEF30EEA4F65}" type="datetime1">
               <a:rPr lang="en-US" smtClean="0"/>
-              <a:t>8/1/2023</a:t>
+              <a:t>2/12/2024</a:t>
             </a:fld>
             <a:endParaRPr lang="en-US"/>
           </a:p>
@@ -34693,7 +34693,19 @@
               <a:rPr lang="en-US" sz="3200" dirty="0">
                 <a:latin typeface="+mn-lt"/>
               </a:rPr>
-              <a:t> – Know You Know…</a:t>
+              <a:t> </a:t>
+            </a:r>
+            <a:r>
+              <a:rPr lang="en-US" sz="3200">
+                <a:latin typeface="+mn-lt"/>
+              </a:rPr>
+              <a:t>– Now </a:t>
+            </a:r>
+            <a:r>
+              <a:rPr lang="en-US" sz="3200" dirty="0">
+                <a:latin typeface="+mn-lt"/>
+              </a:rPr>
+              <a:t>You Know…</a:t>
             </a:r>
           </a:p>
         </p:txBody>
